--- a/Happy Healthy Tummies.pptx
+++ b/Happy Healthy Tummies.pptx
@@ -205,7 +205,7 @@
           <a:p>
             <a:fld id="{E2A98154-8207-4391-99AC-E0144F2C334C}" type="datetimeFigureOut">
               <a:rPr lang="en-US" smtClean="0"/>
-              <a:t>1/11/19</a:t>
+              <a:t>1/12/19</a:t>
             </a:fld>
             <a:endParaRPr lang="en-US"/>
           </a:p>
@@ -640,6 +640,90 @@
 </p:notes>
 </file>
 
+<file path=ppt/notesSlides/notesSlide3.xml><?xml version="1.0" encoding="utf-8"?>
+<p:notes xmlns:a="http://schemas.openxmlformats.org/drawingml/2006/main" xmlns:r="http://schemas.openxmlformats.org/officeDocument/2006/relationships" xmlns:p="http://schemas.openxmlformats.org/presentationml/2006/main">
+  <p:cSld>
+    <p:spTree>
+      <p:nvGrpSpPr>
+        <p:cNvPr id="1" name=""/>
+        <p:cNvGrpSpPr/>
+        <p:nvPr/>
+      </p:nvGrpSpPr>
+      <p:grpSpPr>
+        <a:xfrm>
+          <a:off x="0" y="0"/>
+          <a:ext cx="0" cy="0"/>
+          <a:chOff x="0" y="0"/>
+          <a:chExt cx="0" cy="0"/>
+        </a:xfrm>
+      </p:grpSpPr>
+      <p:sp>
+        <p:nvSpPr>
+          <p:cNvPr id="2" name="Slide Image Placeholder 1"/>
+          <p:cNvSpPr>
+            <a:spLocks noGrp="1" noRot="1" noChangeAspect="1"/>
+          </p:cNvSpPr>
+          <p:nvPr>
+            <p:ph type="sldImg"/>
+          </p:nvPr>
+        </p:nvSpPr>
+        <p:spPr/>
+      </p:sp>
+      <p:sp>
+        <p:nvSpPr>
+          <p:cNvPr id="3" name="Notes Placeholder 2"/>
+          <p:cNvSpPr>
+            <a:spLocks noGrp="1"/>
+          </p:cNvSpPr>
+          <p:nvPr>
+            <p:ph type="body" idx="1"/>
+          </p:nvPr>
+        </p:nvSpPr>
+        <p:spPr/>
+        <p:txBody>
+          <a:bodyPr/>
+          <a:lstStyle/>
+          <a:p>
+            <a:endParaRPr lang="en-US" dirty="0"/>
+          </a:p>
+        </p:txBody>
+      </p:sp>
+      <p:sp>
+        <p:nvSpPr>
+          <p:cNvPr id="4" name="Slide Number Placeholder 3"/>
+          <p:cNvSpPr>
+            <a:spLocks noGrp="1"/>
+          </p:cNvSpPr>
+          <p:nvPr>
+            <p:ph type="sldNum" sz="quarter" idx="10"/>
+          </p:nvPr>
+        </p:nvSpPr>
+        <p:spPr/>
+        <p:txBody>
+          <a:bodyPr/>
+          <a:lstStyle/>
+          <a:p>
+            <a:fld id="{56AA2764-A43A-429C-BC63-A32426ED1DBE}" type="slidenum">
+              <a:rPr lang="en-US" smtClean="0"/>
+              <a:t>12</a:t>
+            </a:fld>
+            <a:endParaRPr lang="en-US"/>
+          </a:p>
+        </p:txBody>
+      </p:sp>
+    </p:spTree>
+    <p:extLst>
+      <p:ext uri="{BB962C8B-B14F-4D97-AF65-F5344CB8AC3E}">
+        <p14:creationId xmlns:p14="http://schemas.microsoft.com/office/powerpoint/2010/main" val="4184717497"/>
+      </p:ext>
+    </p:extLst>
+  </p:cSld>
+  <p:clrMapOvr>
+    <a:masterClrMapping/>
+  </p:clrMapOvr>
+</p:notes>
+</file>
+
 <file path=ppt/slideLayouts/slideLayout1.xml><?xml version="1.0" encoding="utf-8"?>
 <p:sldLayout xmlns:a="http://schemas.openxmlformats.org/drawingml/2006/main" xmlns:r="http://schemas.openxmlformats.org/officeDocument/2006/relationships" xmlns:p="http://schemas.openxmlformats.org/presentationml/2006/main" type="title" preserve="1">
   <p:cSld name="Title Slide">
@@ -662,7 +746,7 @@
           <p:cNvPr id="2" name="Title 1">
             <a:extLst>
               <a:ext uri="{FF2B5EF4-FFF2-40B4-BE49-F238E27FC236}">
-                <a16:creationId xmlns="" xmlns:a16="http://schemas.microsoft.com/office/drawing/2014/main" id="{31E6F16B-7083-4CC6-9868-F63B4E07D893}"/>
+                <a16:creationId xmlns:a16="http://schemas.microsoft.com/office/drawing/2014/main" xmlns="" id="{31E6F16B-7083-4CC6-9868-F63B4E07D893}"/>
               </a:ext>
             </a:extLst>
           </p:cNvPr>
@@ -699,7 +783,7 @@
           <p:cNvPr id="3" name="Subtitle 2">
             <a:extLst>
               <a:ext uri="{FF2B5EF4-FFF2-40B4-BE49-F238E27FC236}">
-                <a16:creationId xmlns="" xmlns:a16="http://schemas.microsoft.com/office/drawing/2014/main" id="{03C7F8DA-0485-4E9B-81D5-56491DBCE980}"/>
+                <a16:creationId xmlns:a16="http://schemas.microsoft.com/office/drawing/2014/main" xmlns="" id="{03C7F8DA-0485-4E9B-81D5-56491DBCE980}"/>
               </a:ext>
             </a:extLst>
           </p:cNvPr>
@@ -769,7 +853,7 @@
           <p:cNvPr id="4" name="Date Placeholder 3">
             <a:extLst>
               <a:ext uri="{FF2B5EF4-FFF2-40B4-BE49-F238E27FC236}">
-                <a16:creationId xmlns="" xmlns:a16="http://schemas.microsoft.com/office/drawing/2014/main" id="{06E482E1-858A-4BEA-8B42-04252DD537D9}"/>
+                <a16:creationId xmlns:a16="http://schemas.microsoft.com/office/drawing/2014/main" xmlns="" id="{06E482E1-858A-4BEA-8B42-04252DD537D9}"/>
               </a:ext>
             </a:extLst>
           </p:cNvPr>
@@ -787,7 +871,7 @@
           <a:p>
             <a:fld id="{5CEE0303-780B-47A9-96F2-51C9DC731110}" type="datetimeFigureOut">
               <a:rPr lang="en-US" smtClean="0"/>
-              <a:t>1/11/19</a:t>
+              <a:t>1/12/19</a:t>
             </a:fld>
             <a:endParaRPr lang="en-US"/>
           </a:p>
@@ -798,7 +882,7 @@
           <p:cNvPr id="5" name="Footer Placeholder 4">
             <a:extLst>
               <a:ext uri="{FF2B5EF4-FFF2-40B4-BE49-F238E27FC236}">
-                <a16:creationId xmlns="" xmlns:a16="http://schemas.microsoft.com/office/drawing/2014/main" id="{89971BE7-2432-4C2B-9EB2-73B3C292A495}"/>
+                <a16:creationId xmlns:a16="http://schemas.microsoft.com/office/drawing/2014/main" xmlns="" id="{89971BE7-2432-4C2B-9EB2-73B3C292A495}"/>
               </a:ext>
             </a:extLst>
           </p:cNvPr>
@@ -823,7 +907,7 @@
           <p:cNvPr id="6" name="Slide Number Placeholder 5">
             <a:extLst>
               <a:ext uri="{FF2B5EF4-FFF2-40B4-BE49-F238E27FC236}">
-                <a16:creationId xmlns="" xmlns:a16="http://schemas.microsoft.com/office/drawing/2014/main" id="{07F34F41-C64A-49A3-A03D-C62270C015AC}"/>
+                <a16:creationId xmlns:a16="http://schemas.microsoft.com/office/drawing/2014/main" xmlns="" id="{07F34F41-C64A-49A3-A03D-C62270C015AC}"/>
               </a:ext>
             </a:extLst>
           </p:cNvPr>
@@ -882,7 +966,7 @@
           <p:cNvPr id="2" name="Title 1">
             <a:extLst>
               <a:ext uri="{FF2B5EF4-FFF2-40B4-BE49-F238E27FC236}">
-                <a16:creationId xmlns="" xmlns:a16="http://schemas.microsoft.com/office/drawing/2014/main" id="{2BB2E8A5-A09C-4F07-BB16-9A14F4E2D236}"/>
+                <a16:creationId xmlns:a16="http://schemas.microsoft.com/office/drawing/2014/main" xmlns="" id="{2BB2E8A5-A09C-4F07-BB16-9A14F4E2D236}"/>
               </a:ext>
             </a:extLst>
           </p:cNvPr>
@@ -910,7 +994,7 @@
           <p:cNvPr id="3" name="Vertical Text Placeholder 2">
             <a:extLst>
               <a:ext uri="{FF2B5EF4-FFF2-40B4-BE49-F238E27FC236}">
-                <a16:creationId xmlns="" xmlns:a16="http://schemas.microsoft.com/office/drawing/2014/main" id="{554B820A-62F6-4C4E-A52D-4E956FF43B12}"/>
+                <a16:creationId xmlns:a16="http://schemas.microsoft.com/office/drawing/2014/main" xmlns="" id="{554B820A-62F6-4C4E-A52D-4E956FF43B12}"/>
               </a:ext>
             </a:extLst>
           </p:cNvPr>
@@ -967,7 +1051,7 @@
           <p:cNvPr id="4" name="Date Placeholder 3">
             <a:extLst>
               <a:ext uri="{FF2B5EF4-FFF2-40B4-BE49-F238E27FC236}">
-                <a16:creationId xmlns="" xmlns:a16="http://schemas.microsoft.com/office/drawing/2014/main" id="{C0C67B7A-AE45-4513-A0A2-61B8C2A59727}"/>
+                <a16:creationId xmlns:a16="http://schemas.microsoft.com/office/drawing/2014/main" xmlns="" id="{C0C67B7A-AE45-4513-A0A2-61B8C2A59727}"/>
               </a:ext>
             </a:extLst>
           </p:cNvPr>
@@ -985,7 +1069,7 @@
           <a:p>
             <a:fld id="{5CEE0303-780B-47A9-96F2-51C9DC731110}" type="datetimeFigureOut">
               <a:rPr lang="en-US" smtClean="0"/>
-              <a:t>1/11/19</a:t>
+              <a:t>1/12/19</a:t>
             </a:fld>
             <a:endParaRPr lang="en-US"/>
           </a:p>
@@ -996,7 +1080,7 @@
           <p:cNvPr id="5" name="Footer Placeholder 4">
             <a:extLst>
               <a:ext uri="{FF2B5EF4-FFF2-40B4-BE49-F238E27FC236}">
-                <a16:creationId xmlns="" xmlns:a16="http://schemas.microsoft.com/office/drawing/2014/main" id="{621C1C02-CFBB-4FAE-A611-64B4E4F4DA85}"/>
+                <a16:creationId xmlns:a16="http://schemas.microsoft.com/office/drawing/2014/main" xmlns="" id="{621C1C02-CFBB-4FAE-A611-64B4E4F4DA85}"/>
               </a:ext>
             </a:extLst>
           </p:cNvPr>
@@ -1021,7 +1105,7 @@
           <p:cNvPr id="6" name="Slide Number Placeholder 5">
             <a:extLst>
               <a:ext uri="{FF2B5EF4-FFF2-40B4-BE49-F238E27FC236}">
-                <a16:creationId xmlns="" xmlns:a16="http://schemas.microsoft.com/office/drawing/2014/main" id="{FAE15644-B3A2-4789-8B30-71CBE1419C01}"/>
+                <a16:creationId xmlns:a16="http://schemas.microsoft.com/office/drawing/2014/main" xmlns="" id="{FAE15644-B3A2-4789-8B30-71CBE1419C01}"/>
               </a:ext>
             </a:extLst>
           </p:cNvPr>
@@ -1080,7 +1164,7 @@
           <p:cNvPr id="2" name="Vertical Title 1">
             <a:extLst>
               <a:ext uri="{FF2B5EF4-FFF2-40B4-BE49-F238E27FC236}">
-                <a16:creationId xmlns="" xmlns:a16="http://schemas.microsoft.com/office/drawing/2014/main" id="{DF200F19-BB28-41EE-BBEB-C3F052527014}"/>
+                <a16:creationId xmlns:a16="http://schemas.microsoft.com/office/drawing/2014/main" xmlns="" id="{DF200F19-BB28-41EE-BBEB-C3F052527014}"/>
               </a:ext>
             </a:extLst>
           </p:cNvPr>
@@ -1113,7 +1197,7 @@
           <p:cNvPr id="3" name="Vertical Text Placeholder 2">
             <a:extLst>
               <a:ext uri="{FF2B5EF4-FFF2-40B4-BE49-F238E27FC236}">
-                <a16:creationId xmlns="" xmlns:a16="http://schemas.microsoft.com/office/drawing/2014/main" id="{61C8EA5E-1751-47B7-851F-5800AF1FAB20}"/>
+                <a16:creationId xmlns:a16="http://schemas.microsoft.com/office/drawing/2014/main" xmlns="" id="{61C8EA5E-1751-47B7-851F-5800AF1FAB20}"/>
               </a:ext>
             </a:extLst>
           </p:cNvPr>
@@ -1175,7 +1259,7 @@
           <p:cNvPr id="4" name="Date Placeholder 3">
             <a:extLst>
               <a:ext uri="{FF2B5EF4-FFF2-40B4-BE49-F238E27FC236}">
-                <a16:creationId xmlns="" xmlns:a16="http://schemas.microsoft.com/office/drawing/2014/main" id="{223201B5-B0B1-456C-BF5A-436A3F77FC66}"/>
+                <a16:creationId xmlns:a16="http://schemas.microsoft.com/office/drawing/2014/main" xmlns="" id="{223201B5-B0B1-456C-BF5A-436A3F77FC66}"/>
               </a:ext>
             </a:extLst>
           </p:cNvPr>
@@ -1193,7 +1277,7 @@
           <a:p>
             <a:fld id="{5CEE0303-780B-47A9-96F2-51C9DC731110}" type="datetimeFigureOut">
               <a:rPr lang="en-US" smtClean="0"/>
-              <a:t>1/11/19</a:t>
+              <a:t>1/12/19</a:t>
             </a:fld>
             <a:endParaRPr lang="en-US"/>
           </a:p>
@@ -1204,7 +1288,7 @@
           <p:cNvPr id="5" name="Footer Placeholder 4">
             <a:extLst>
               <a:ext uri="{FF2B5EF4-FFF2-40B4-BE49-F238E27FC236}">
-                <a16:creationId xmlns="" xmlns:a16="http://schemas.microsoft.com/office/drawing/2014/main" id="{E8F2790B-633E-4174-B7EC-404A8791DE8D}"/>
+                <a16:creationId xmlns:a16="http://schemas.microsoft.com/office/drawing/2014/main" xmlns="" id="{E8F2790B-633E-4174-B7EC-404A8791DE8D}"/>
               </a:ext>
             </a:extLst>
           </p:cNvPr>
@@ -1229,7 +1313,7 @@
           <p:cNvPr id="6" name="Slide Number Placeholder 5">
             <a:extLst>
               <a:ext uri="{FF2B5EF4-FFF2-40B4-BE49-F238E27FC236}">
-                <a16:creationId xmlns="" xmlns:a16="http://schemas.microsoft.com/office/drawing/2014/main" id="{7F8D719D-4F10-4CF4-8152-C5C20C5DBA79}"/>
+                <a16:creationId xmlns:a16="http://schemas.microsoft.com/office/drawing/2014/main" xmlns="" id="{7F8D719D-4F10-4CF4-8152-C5C20C5DBA79}"/>
               </a:ext>
             </a:extLst>
           </p:cNvPr>
@@ -1288,7 +1372,7 @@
           <p:cNvPr id="2" name="Title 1">
             <a:extLst>
               <a:ext uri="{FF2B5EF4-FFF2-40B4-BE49-F238E27FC236}">
-                <a16:creationId xmlns="" xmlns:a16="http://schemas.microsoft.com/office/drawing/2014/main" id="{342C6474-13CA-49E2-88C0-3D0FC2F4CADC}"/>
+                <a16:creationId xmlns:a16="http://schemas.microsoft.com/office/drawing/2014/main" xmlns="" id="{342C6474-13CA-49E2-88C0-3D0FC2F4CADC}"/>
               </a:ext>
             </a:extLst>
           </p:cNvPr>
@@ -1316,7 +1400,7 @@
           <p:cNvPr id="3" name="Content Placeholder 2">
             <a:extLst>
               <a:ext uri="{FF2B5EF4-FFF2-40B4-BE49-F238E27FC236}">
-                <a16:creationId xmlns="" xmlns:a16="http://schemas.microsoft.com/office/drawing/2014/main" id="{A68FBC1A-4541-4A2E-831E-FA2E939A4BE3}"/>
+                <a16:creationId xmlns:a16="http://schemas.microsoft.com/office/drawing/2014/main" xmlns="" id="{A68FBC1A-4541-4A2E-831E-FA2E939A4BE3}"/>
               </a:ext>
             </a:extLst>
           </p:cNvPr>
@@ -1373,7 +1457,7 @@
           <p:cNvPr id="4" name="Date Placeholder 3">
             <a:extLst>
               <a:ext uri="{FF2B5EF4-FFF2-40B4-BE49-F238E27FC236}">
-                <a16:creationId xmlns="" xmlns:a16="http://schemas.microsoft.com/office/drawing/2014/main" id="{A6F7D32E-EA4C-470C-B153-9CF4ABF08C8A}"/>
+                <a16:creationId xmlns:a16="http://schemas.microsoft.com/office/drawing/2014/main" xmlns="" id="{A6F7D32E-EA4C-470C-B153-9CF4ABF08C8A}"/>
               </a:ext>
             </a:extLst>
           </p:cNvPr>
@@ -1391,7 +1475,7 @@
           <a:p>
             <a:fld id="{5CEE0303-780B-47A9-96F2-51C9DC731110}" type="datetimeFigureOut">
               <a:rPr lang="en-US" smtClean="0"/>
-              <a:t>1/11/19</a:t>
+              <a:t>1/12/19</a:t>
             </a:fld>
             <a:endParaRPr lang="en-US"/>
           </a:p>
@@ -1402,7 +1486,7 @@
           <p:cNvPr id="5" name="Footer Placeholder 4">
             <a:extLst>
               <a:ext uri="{FF2B5EF4-FFF2-40B4-BE49-F238E27FC236}">
-                <a16:creationId xmlns="" xmlns:a16="http://schemas.microsoft.com/office/drawing/2014/main" id="{F43E96F6-DA80-4983-965B-377DAA379860}"/>
+                <a16:creationId xmlns:a16="http://schemas.microsoft.com/office/drawing/2014/main" xmlns="" id="{F43E96F6-DA80-4983-965B-377DAA379860}"/>
               </a:ext>
             </a:extLst>
           </p:cNvPr>
@@ -1427,7 +1511,7 @@
           <p:cNvPr id="6" name="Slide Number Placeholder 5">
             <a:extLst>
               <a:ext uri="{FF2B5EF4-FFF2-40B4-BE49-F238E27FC236}">
-                <a16:creationId xmlns="" xmlns:a16="http://schemas.microsoft.com/office/drawing/2014/main" id="{B4E1DFC9-2292-4956-9E3E-89A244557A05}"/>
+                <a16:creationId xmlns:a16="http://schemas.microsoft.com/office/drawing/2014/main" xmlns="" id="{B4E1DFC9-2292-4956-9E3E-89A244557A05}"/>
               </a:ext>
             </a:extLst>
           </p:cNvPr>
@@ -1486,7 +1570,7 @@
           <p:cNvPr id="2" name="Title 1">
             <a:extLst>
               <a:ext uri="{FF2B5EF4-FFF2-40B4-BE49-F238E27FC236}">
-                <a16:creationId xmlns="" xmlns:a16="http://schemas.microsoft.com/office/drawing/2014/main" id="{A3A8152A-EFD6-4201-820B-2E3439030D19}"/>
+                <a16:creationId xmlns:a16="http://schemas.microsoft.com/office/drawing/2014/main" xmlns="" id="{A3A8152A-EFD6-4201-820B-2E3439030D19}"/>
               </a:ext>
             </a:extLst>
           </p:cNvPr>
@@ -1523,7 +1607,7 @@
           <p:cNvPr id="3" name="Text Placeholder 2">
             <a:extLst>
               <a:ext uri="{FF2B5EF4-FFF2-40B4-BE49-F238E27FC236}">
-                <a16:creationId xmlns="" xmlns:a16="http://schemas.microsoft.com/office/drawing/2014/main" id="{F2F158B4-7DA0-4D60-91BE-647A6ECFCF90}"/>
+                <a16:creationId xmlns:a16="http://schemas.microsoft.com/office/drawing/2014/main" xmlns="" id="{F2F158B4-7DA0-4D60-91BE-647A6ECFCF90}"/>
               </a:ext>
             </a:extLst>
           </p:cNvPr>
@@ -1648,7 +1732,7 @@
           <p:cNvPr id="4" name="Date Placeholder 3">
             <a:extLst>
               <a:ext uri="{FF2B5EF4-FFF2-40B4-BE49-F238E27FC236}">
-                <a16:creationId xmlns="" xmlns:a16="http://schemas.microsoft.com/office/drawing/2014/main" id="{2D8863A1-E7F3-4E4A-8E2E-FABB6A900AAD}"/>
+                <a16:creationId xmlns:a16="http://schemas.microsoft.com/office/drawing/2014/main" xmlns="" id="{2D8863A1-E7F3-4E4A-8E2E-FABB6A900AAD}"/>
               </a:ext>
             </a:extLst>
           </p:cNvPr>
@@ -1666,7 +1750,7 @@
           <a:p>
             <a:fld id="{5CEE0303-780B-47A9-96F2-51C9DC731110}" type="datetimeFigureOut">
               <a:rPr lang="en-US" smtClean="0"/>
-              <a:t>1/11/19</a:t>
+              <a:t>1/12/19</a:t>
             </a:fld>
             <a:endParaRPr lang="en-US"/>
           </a:p>
@@ -1677,7 +1761,7 @@
           <p:cNvPr id="5" name="Footer Placeholder 4">
             <a:extLst>
               <a:ext uri="{FF2B5EF4-FFF2-40B4-BE49-F238E27FC236}">
-                <a16:creationId xmlns="" xmlns:a16="http://schemas.microsoft.com/office/drawing/2014/main" id="{C8709BB6-DC42-443C-9326-3CE641D82325}"/>
+                <a16:creationId xmlns:a16="http://schemas.microsoft.com/office/drawing/2014/main" xmlns="" id="{C8709BB6-DC42-443C-9326-3CE641D82325}"/>
               </a:ext>
             </a:extLst>
           </p:cNvPr>
@@ -1702,7 +1786,7 @@
           <p:cNvPr id="6" name="Slide Number Placeholder 5">
             <a:extLst>
               <a:ext uri="{FF2B5EF4-FFF2-40B4-BE49-F238E27FC236}">
-                <a16:creationId xmlns="" xmlns:a16="http://schemas.microsoft.com/office/drawing/2014/main" id="{F739809A-AF44-416B-B4A8-5818E72967EB}"/>
+                <a16:creationId xmlns:a16="http://schemas.microsoft.com/office/drawing/2014/main" xmlns="" id="{F739809A-AF44-416B-B4A8-5818E72967EB}"/>
               </a:ext>
             </a:extLst>
           </p:cNvPr>
@@ -1761,7 +1845,7 @@
           <p:cNvPr id="2" name="Title 1">
             <a:extLst>
               <a:ext uri="{FF2B5EF4-FFF2-40B4-BE49-F238E27FC236}">
-                <a16:creationId xmlns="" xmlns:a16="http://schemas.microsoft.com/office/drawing/2014/main" id="{A14C0048-3A84-4C69-9186-12140D161D38}"/>
+                <a16:creationId xmlns:a16="http://schemas.microsoft.com/office/drawing/2014/main" xmlns="" id="{A14C0048-3A84-4C69-9186-12140D161D38}"/>
               </a:ext>
             </a:extLst>
           </p:cNvPr>
@@ -1789,7 +1873,7 @@
           <p:cNvPr id="3" name="Content Placeholder 2">
             <a:extLst>
               <a:ext uri="{FF2B5EF4-FFF2-40B4-BE49-F238E27FC236}">
-                <a16:creationId xmlns="" xmlns:a16="http://schemas.microsoft.com/office/drawing/2014/main" id="{11F594CF-5BA6-44DD-A25A-4BEB7BB59CF8}"/>
+                <a16:creationId xmlns:a16="http://schemas.microsoft.com/office/drawing/2014/main" xmlns="" id="{11F594CF-5BA6-44DD-A25A-4BEB7BB59CF8}"/>
               </a:ext>
             </a:extLst>
           </p:cNvPr>
@@ -1851,7 +1935,7 @@
           <p:cNvPr id="4" name="Content Placeholder 3">
             <a:extLst>
               <a:ext uri="{FF2B5EF4-FFF2-40B4-BE49-F238E27FC236}">
-                <a16:creationId xmlns="" xmlns:a16="http://schemas.microsoft.com/office/drawing/2014/main" id="{7B2944A2-BB5C-4E2C-9AB1-1C716EFCABA2}"/>
+                <a16:creationId xmlns:a16="http://schemas.microsoft.com/office/drawing/2014/main" xmlns="" id="{7B2944A2-BB5C-4E2C-9AB1-1C716EFCABA2}"/>
               </a:ext>
             </a:extLst>
           </p:cNvPr>
@@ -1913,7 +1997,7 @@
           <p:cNvPr id="5" name="Date Placeholder 4">
             <a:extLst>
               <a:ext uri="{FF2B5EF4-FFF2-40B4-BE49-F238E27FC236}">
-                <a16:creationId xmlns="" xmlns:a16="http://schemas.microsoft.com/office/drawing/2014/main" id="{3AC026AB-82C0-483F-BFCB-9D081EFBC61A}"/>
+                <a16:creationId xmlns:a16="http://schemas.microsoft.com/office/drawing/2014/main" xmlns="" id="{3AC026AB-82C0-483F-BFCB-9D081EFBC61A}"/>
               </a:ext>
             </a:extLst>
           </p:cNvPr>
@@ -1931,7 +2015,7 @@
           <a:p>
             <a:fld id="{5CEE0303-780B-47A9-96F2-51C9DC731110}" type="datetimeFigureOut">
               <a:rPr lang="en-US" smtClean="0"/>
-              <a:t>1/11/19</a:t>
+              <a:t>1/12/19</a:t>
             </a:fld>
             <a:endParaRPr lang="en-US"/>
           </a:p>
@@ -1942,7 +2026,7 @@
           <p:cNvPr id="6" name="Footer Placeholder 5">
             <a:extLst>
               <a:ext uri="{FF2B5EF4-FFF2-40B4-BE49-F238E27FC236}">
-                <a16:creationId xmlns="" xmlns:a16="http://schemas.microsoft.com/office/drawing/2014/main" id="{88AB9BF5-37EE-4C00-9DCA-5FB925483A04}"/>
+                <a16:creationId xmlns:a16="http://schemas.microsoft.com/office/drawing/2014/main" xmlns="" id="{88AB9BF5-37EE-4C00-9DCA-5FB925483A04}"/>
               </a:ext>
             </a:extLst>
           </p:cNvPr>
@@ -1967,7 +2051,7 @@
           <p:cNvPr id="7" name="Slide Number Placeholder 6">
             <a:extLst>
               <a:ext uri="{FF2B5EF4-FFF2-40B4-BE49-F238E27FC236}">
-                <a16:creationId xmlns="" xmlns:a16="http://schemas.microsoft.com/office/drawing/2014/main" id="{CB37D06A-ED15-41CB-8F65-D2C7D6266109}"/>
+                <a16:creationId xmlns:a16="http://schemas.microsoft.com/office/drawing/2014/main" xmlns="" id="{CB37D06A-ED15-41CB-8F65-D2C7D6266109}"/>
               </a:ext>
             </a:extLst>
           </p:cNvPr>
@@ -2026,7 +2110,7 @@
           <p:cNvPr id="2" name="Title 1">
             <a:extLst>
               <a:ext uri="{FF2B5EF4-FFF2-40B4-BE49-F238E27FC236}">
-                <a16:creationId xmlns="" xmlns:a16="http://schemas.microsoft.com/office/drawing/2014/main" id="{3B509E94-3929-4CBE-8F6E-48B22511A9B5}"/>
+                <a16:creationId xmlns:a16="http://schemas.microsoft.com/office/drawing/2014/main" xmlns="" id="{3B509E94-3929-4CBE-8F6E-48B22511A9B5}"/>
               </a:ext>
             </a:extLst>
           </p:cNvPr>
@@ -2059,7 +2143,7 @@
           <p:cNvPr id="3" name="Text Placeholder 2">
             <a:extLst>
               <a:ext uri="{FF2B5EF4-FFF2-40B4-BE49-F238E27FC236}">
-                <a16:creationId xmlns="" xmlns:a16="http://schemas.microsoft.com/office/drawing/2014/main" id="{CE067656-C248-44F3-859A-ED06EA312E47}"/>
+                <a16:creationId xmlns:a16="http://schemas.microsoft.com/office/drawing/2014/main" xmlns="" id="{CE067656-C248-44F3-859A-ED06EA312E47}"/>
               </a:ext>
             </a:extLst>
           </p:cNvPr>
@@ -2130,7 +2214,7 @@
           <p:cNvPr id="4" name="Content Placeholder 3">
             <a:extLst>
               <a:ext uri="{FF2B5EF4-FFF2-40B4-BE49-F238E27FC236}">
-                <a16:creationId xmlns="" xmlns:a16="http://schemas.microsoft.com/office/drawing/2014/main" id="{D558A423-513F-4BFC-AB54-521726B6DD80}"/>
+                <a16:creationId xmlns:a16="http://schemas.microsoft.com/office/drawing/2014/main" xmlns="" id="{D558A423-513F-4BFC-AB54-521726B6DD80}"/>
               </a:ext>
             </a:extLst>
           </p:cNvPr>
@@ -2192,7 +2276,7 @@
           <p:cNvPr id="5" name="Text Placeholder 4">
             <a:extLst>
               <a:ext uri="{FF2B5EF4-FFF2-40B4-BE49-F238E27FC236}">
-                <a16:creationId xmlns="" xmlns:a16="http://schemas.microsoft.com/office/drawing/2014/main" id="{409C867C-2F1E-46D2-8913-988368099912}"/>
+                <a16:creationId xmlns:a16="http://schemas.microsoft.com/office/drawing/2014/main" xmlns="" id="{409C867C-2F1E-46D2-8913-988368099912}"/>
               </a:ext>
             </a:extLst>
           </p:cNvPr>
@@ -2263,7 +2347,7 @@
           <p:cNvPr id="6" name="Content Placeholder 5">
             <a:extLst>
               <a:ext uri="{FF2B5EF4-FFF2-40B4-BE49-F238E27FC236}">
-                <a16:creationId xmlns="" xmlns:a16="http://schemas.microsoft.com/office/drawing/2014/main" id="{D2553728-1E48-458A-B831-D79FA30327AA}"/>
+                <a16:creationId xmlns:a16="http://schemas.microsoft.com/office/drawing/2014/main" xmlns="" id="{D2553728-1E48-458A-B831-D79FA30327AA}"/>
               </a:ext>
             </a:extLst>
           </p:cNvPr>
@@ -2325,7 +2409,7 @@
           <p:cNvPr id="7" name="Date Placeholder 6">
             <a:extLst>
               <a:ext uri="{FF2B5EF4-FFF2-40B4-BE49-F238E27FC236}">
-                <a16:creationId xmlns="" xmlns:a16="http://schemas.microsoft.com/office/drawing/2014/main" id="{CA30BB49-2599-402A-9CEA-35ABF3DD7B66}"/>
+                <a16:creationId xmlns:a16="http://schemas.microsoft.com/office/drawing/2014/main" xmlns="" id="{CA30BB49-2599-402A-9CEA-35ABF3DD7B66}"/>
               </a:ext>
             </a:extLst>
           </p:cNvPr>
@@ -2343,7 +2427,7 @@
           <a:p>
             <a:fld id="{5CEE0303-780B-47A9-96F2-51C9DC731110}" type="datetimeFigureOut">
               <a:rPr lang="en-US" smtClean="0"/>
-              <a:t>1/11/19</a:t>
+              <a:t>1/12/19</a:t>
             </a:fld>
             <a:endParaRPr lang="en-US"/>
           </a:p>
@@ -2354,7 +2438,7 @@
           <p:cNvPr id="8" name="Footer Placeholder 7">
             <a:extLst>
               <a:ext uri="{FF2B5EF4-FFF2-40B4-BE49-F238E27FC236}">
-                <a16:creationId xmlns="" xmlns:a16="http://schemas.microsoft.com/office/drawing/2014/main" id="{3EF95928-9639-4047-8F21-5B54AA90557F}"/>
+                <a16:creationId xmlns:a16="http://schemas.microsoft.com/office/drawing/2014/main" xmlns="" id="{3EF95928-9639-4047-8F21-5B54AA90557F}"/>
               </a:ext>
             </a:extLst>
           </p:cNvPr>
@@ -2379,7 +2463,7 @@
           <p:cNvPr id="9" name="Slide Number Placeholder 8">
             <a:extLst>
               <a:ext uri="{FF2B5EF4-FFF2-40B4-BE49-F238E27FC236}">
-                <a16:creationId xmlns="" xmlns:a16="http://schemas.microsoft.com/office/drawing/2014/main" id="{D7A8FE0D-BF5E-4471-97D1-F37AECF57004}"/>
+                <a16:creationId xmlns:a16="http://schemas.microsoft.com/office/drawing/2014/main" xmlns="" id="{D7A8FE0D-BF5E-4471-97D1-F37AECF57004}"/>
               </a:ext>
             </a:extLst>
           </p:cNvPr>
@@ -2438,7 +2522,7 @@
           <p:cNvPr id="2" name="Title 1">
             <a:extLst>
               <a:ext uri="{FF2B5EF4-FFF2-40B4-BE49-F238E27FC236}">
-                <a16:creationId xmlns="" xmlns:a16="http://schemas.microsoft.com/office/drawing/2014/main" id="{CDF69B5F-CE17-42E2-9561-C8A533229837}"/>
+                <a16:creationId xmlns:a16="http://schemas.microsoft.com/office/drawing/2014/main" xmlns="" id="{CDF69B5F-CE17-42E2-9561-C8A533229837}"/>
               </a:ext>
             </a:extLst>
           </p:cNvPr>
@@ -2466,7 +2550,7 @@
           <p:cNvPr id="3" name="Date Placeholder 2">
             <a:extLst>
               <a:ext uri="{FF2B5EF4-FFF2-40B4-BE49-F238E27FC236}">
-                <a16:creationId xmlns="" xmlns:a16="http://schemas.microsoft.com/office/drawing/2014/main" id="{5300140C-E8E0-4DAA-9B89-C9CA22C43062}"/>
+                <a16:creationId xmlns:a16="http://schemas.microsoft.com/office/drawing/2014/main" xmlns="" id="{5300140C-E8E0-4DAA-9B89-C9CA22C43062}"/>
               </a:ext>
             </a:extLst>
           </p:cNvPr>
@@ -2484,7 +2568,7 @@
           <a:p>
             <a:fld id="{5CEE0303-780B-47A9-96F2-51C9DC731110}" type="datetimeFigureOut">
               <a:rPr lang="en-US" smtClean="0"/>
-              <a:t>1/11/19</a:t>
+              <a:t>1/12/19</a:t>
             </a:fld>
             <a:endParaRPr lang="en-US"/>
           </a:p>
@@ -2495,7 +2579,7 @@
           <p:cNvPr id="4" name="Footer Placeholder 3">
             <a:extLst>
               <a:ext uri="{FF2B5EF4-FFF2-40B4-BE49-F238E27FC236}">
-                <a16:creationId xmlns="" xmlns:a16="http://schemas.microsoft.com/office/drawing/2014/main" id="{1CF87B97-95D1-4AAF-9EA1-594FF808129F}"/>
+                <a16:creationId xmlns:a16="http://schemas.microsoft.com/office/drawing/2014/main" xmlns="" id="{1CF87B97-95D1-4AAF-9EA1-594FF808129F}"/>
               </a:ext>
             </a:extLst>
           </p:cNvPr>
@@ -2520,7 +2604,7 @@
           <p:cNvPr id="5" name="Slide Number Placeholder 4">
             <a:extLst>
               <a:ext uri="{FF2B5EF4-FFF2-40B4-BE49-F238E27FC236}">
-                <a16:creationId xmlns="" xmlns:a16="http://schemas.microsoft.com/office/drawing/2014/main" id="{C75B2CA8-CE88-430D-BDA9-CA3B879CDD82}"/>
+                <a16:creationId xmlns:a16="http://schemas.microsoft.com/office/drawing/2014/main" xmlns="" id="{C75B2CA8-CE88-430D-BDA9-CA3B879CDD82}"/>
               </a:ext>
             </a:extLst>
           </p:cNvPr>
@@ -2579,7 +2663,7 @@
           <p:cNvPr id="2" name="Date Placeholder 1">
             <a:extLst>
               <a:ext uri="{FF2B5EF4-FFF2-40B4-BE49-F238E27FC236}">
-                <a16:creationId xmlns="" xmlns:a16="http://schemas.microsoft.com/office/drawing/2014/main" id="{8673D44A-4265-4868-9261-766A02D9A010}"/>
+                <a16:creationId xmlns:a16="http://schemas.microsoft.com/office/drawing/2014/main" xmlns="" id="{8673D44A-4265-4868-9261-766A02D9A010}"/>
               </a:ext>
             </a:extLst>
           </p:cNvPr>
@@ -2597,7 +2681,7 @@
           <a:p>
             <a:fld id="{5CEE0303-780B-47A9-96F2-51C9DC731110}" type="datetimeFigureOut">
               <a:rPr lang="en-US" smtClean="0"/>
-              <a:t>1/11/19</a:t>
+              <a:t>1/12/19</a:t>
             </a:fld>
             <a:endParaRPr lang="en-US"/>
           </a:p>
@@ -2608,7 +2692,7 @@
           <p:cNvPr id="3" name="Footer Placeholder 2">
             <a:extLst>
               <a:ext uri="{FF2B5EF4-FFF2-40B4-BE49-F238E27FC236}">
-                <a16:creationId xmlns="" xmlns:a16="http://schemas.microsoft.com/office/drawing/2014/main" id="{193203E2-A039-47DD-9C26-FCC3AFA687B3}"/>
+                <a16:creationId xmlns:a16="http://schemas.microsoft.com/office/drawing/2014/main" xmlns="" id="{193203E2-A039-47DD-9C26-FCC3AFA687B3}"/>
               </a:ext>
             </a:extLst>
           </p:cNvPr>
@@ -2633,7 +2717,7 @@
           <p:cNvPr id="4" name="Slide Number Placeholder 3">
             <a:extLst>
               <a:ext uri="{FF2B5EF4-FFF2-40B4-BE49-F238E27FC236}">
-                <a16:creationId xmlns="" xmlns:a16="http://schemas.microsoft.com/office/drawing/2014/main" id="{2F4AFF66-E333-4916-87AA-27539825E3FF}"/>
+                <a16:creationId xmlns:a16="http://schemas.microsoft.com/office/drawing/2014/main" xmlns="" id="{2F4AFF66-E333-4916-87AA-27539825E3FF}"/>
               </a:ext>
             </a:extLst>
           </p:cNvPr>
@@ -2692,7 +2776,7 @@
           <p:cNvPr id="2" name="Title 1">
             <a:extLst>
               <a:ext uri="{FF2B5EF4-FFF2-40B4-BE49-F238E27FC236}">
-                <a16:creationId xmlns="" xmlns:a16="http://schemas.microsoft.com/office/drawing/2014/main" id="{A230E85E-85ED-4B95-8351-8D3238D69615}"/>
+                <a16:creationId xmlns:a16="http://schemas.microsoft.com/office/drawing/2014/main" xmlns="" id="{A230E85E-85ED-4B95-8351-8D3238D69615}"/>
               </a:ext>
             </a:extLst>
           </p:cNvPr>
@@ -2729,7 +2813,7 @@
           <p:cNvPr id="3" name="Content Placeholder 2">
             <a:extLst>
               <a:ext uri="{FF2B5EF4-FFF2-40B4-BE49-F238E27FC236}">
-                <a16:creationId xmlns="" xmlns:a16="http://schemas.microsoft.com/office/drawing/2014/main" id="{97B6876F-AAAF-4A55-AC1C-65A02E4166E9}"/>
+                <a16:creationId xmlns:a16="http://schemas.microsoft.com/office/drawing/2014/main" xmlns="" id="{97B6876F-AAAF-4A55-AC1C-65A02E4166E9}"/>
               </a:ext>
             </a:extLst>
           </p:cNvPr>
@@ -2819,7 +2903,7 @@
           <p:cNvPr id="4" name="Text Placeholder 3">
             <a:extLst>
               <a:ext uri="{FF2B5EF4-FFF2-40B4-BE49-F238E27FC236}">
-                <a16:creationId xmlns="" xmlns:a16="http://schemas.microsoft.com/office/drawing/2014/main" id="{EC112F3E-719D-417E-8DC6-AB6228E49C85}"/>
+                <a16:creationId xmlns:a16="http://schemas.microsoft.com/office/drawing/2014/main" xmlns="" id="{EC112F3E-719D-417E-8DC6-AB6228E49C85}"/>
               </a:ext>
             </a:extLst>
           </p:cNvPr>
@@ -2890,7 +2974,7 @@
           <p:cNvPr id="5" name="Date Placeholder 4">
             <a:extLst>
               <a:ext uri="{FF2B5EF4-FFF2-40B4-BE49-F238E27FC236}">
-                <a16:creationId xmlns="" xmlns:a16="http://schemas.microsoft.com/office/drawing/2014/main" id="{5147D6BB-3089-4F90-BD3A-824451C1B1E6}"/>
+                <a16:creationId xmlns:a16="http://schemas.microsoft.com/office/drawing/2014/main" xmlns="" id="{5147D6BB-3089-4F90-BD3A-824451C1B1E6}"/>
               </a:ext>
             </a:extLst>
           </p:cNvPr>
@@ -2908,7 +2992,7 @@
           <a:p>
             <a:fld id="{5CEE0303-780B-47A9-96F2-51C9DC731110}" type="datetimeFigureOut">
               <a:rPr lang="en-US" smtClean="0"/>
-              <a:t>1/11/19</a:t>
+              <a:t>1/12/19</a:t>
             </a:fld>
             <a:endParaRPr lang="en-US"/>
           </a:p>
@@ -2919,7 +3003,7 @@
           <p:cNvPr id="6" name="Footer Placeholder 5">
             <a:extLst>
               <a:ext uri="{FF2B5EF4-FFF2-40B4-BE49-F238E27FC236}">
-                <a16:creationId xmlns="" xmlns:a16="http://schemas.microsoft.com/office/drawing/2014/main" id="{D6DB855A-E3C6-4338-9E6C-AD2EAF6B2C04}"/>
+                <a16:creationId xmlns:a16="http://schemas.microsoft.com/office/drawing/2014/main" xmlns="" id="{D6DB855A-E3C6-4338-9E6C-AD2EAF6B2C04}"/>
               </a:ext>
             </a:extLst>
           </p:cNvPr>
@@ -2944,7 +3028,7 @@
           <p:cNvPr id="7" name="Slide Number Placeholder 6">
             <a:extLst>
               <a:ext uri="{FF2B5EF4-FFF2-40B4-BE49-F238E27FC236}">
-                <a16:creationId xmlns="" xmlns:a16="http://schemas.microsoft.com/office/drawing/2014/main" id="{6FBDAD8F-56D7-405D-8B8D-C27BB80D54E0}"/>
+                <a16:creationId xmlns:a16="http://schemas.microsoft.com/office/drawing/2014/main" xmlns="" id="{6FBDAD8F-56D7-405D-8B8D-C27BB80D54E0}"/>
               </a:ext>
             </a:extLst>
           </p:cNvPr>
@@ -3003,7 +3087,7 @@
           <p:cNvPr id="2" name="Title 1">
             <a:extLst>
               <a:ext uri="{FF2B5EF4-FFF2-40B4-BE49-F238E27FC236}">
-                <a16:creationId xmlns="" xmlns:a16="http://schemas.microsoft.com/office/drawing/2014/main" id="{213FEC5C-516A-4C9F-9DF4-0FF6E191FB44}"/>
+                <a16:creationId xmlns:a16="http://schemas.microsoft.com/office/drawing/2014/main" xmlns="" id="{213FEC5C-516A-4C9F-9DF4-0FF6E191FB44}"/>
               </a:ext>
             </a:extLst>
           </p:cNvPr>
@@ -3040,7 +3124,7 @@
           <p:cNvPr id="3" name="Picture Placeholder 2">
             <a:extLst>
               <a:ext uri="{FF2B5EF4-FFF2-40B4-BE49-F238E27FC236}">
-                <a16:creationId xmlns="" xmlns:a16="http://schemas.microsoft.com/office/drawing/2014/main" id="{5935375C-8AF4-4D7E-B729-325A83BA973E}"/>
+                <a16:creationId xmlns:a16="http://schemas.microsoft.com/office/drawing/2014/main" xmlns="" id="{5935375C-8AF4-4D7E-B729-325A83BA973E}"/>
               </a:ext>
             </a:extLst>
           </p:cNvPr>
@@ -3107,7 +3191,7 @@
           <p:cNvPr id="4" name="Text Placeholder 3">
             <a:extLst>
               <a:ext uri="{FF2B5EF4-FFF2-40B4-BE49-F238E27FC236}">
-                <a16:creationId xmlns="" xmlns:a16="http://schemas.microsoft.com/office/drawing/2014/main" id="{3583BED1-E3B1-4122-A718-C65BA6A9D1FA}"/>
+                <a16:creationId xmlns:a16="http://schemas.microsoft.com/office/drawing/2014/main" xmlns="" id="{3583BED1-E3B1-4122-A718-C65BA6A9D1FA}"/>
               </a:ext>
             </a:extLst>
           </p:cNvPr>
@@ -3178,7 +3262,7 @@
           <p:cNvPr id="5" name="Date Placeholder 4">
             <a:extLst>
               <a:ext uri="{FF2B5EF4-FFF2-40B4-BE49-F238E27FC236}">
-                <a16:creationId xmlns="" xmlns:a16="http://schemas.microsoft.com/office/drawing/2014/main" id="{EB8550D9-74D8-4DD3-BCC1-3AAEBE57D616}"/>
+                <a16:creationId xmlns:a16="http://schemas.microsoft.com/office/drawing/2014/main" xmlns="" id="{EB8550D9-74D8-4DD3-BCC1-3AAEBE57D616}"/>
               </a:ext>
             </a:extLst>
           </p:cNvPr>
@@ -3196,7 +3280,7 @@
           <a:p>
             <a:fld id="{5CEE0303-780B-47A9-96F2-51C9DC731110}" type="datetimeFigureOut">
               <a:rPr lang="en-US" smtClean="0"/>
-              <a:t>1/11/19</a:t>
+              <a:t>1/12/19</a:t>
             </a:fld>
             <a:endParaRPr lang="en-US"/>
           </a:p>
@@ -3207,7 +3291,7 @@
           <p:cNvPr id="6" name="Footer Placeholder 5">
             <a:extLst>
               <a:ext uri="{FF2B5EF4-FFF2-40B4-BE49-F238E27FC236}">
-                <a16:creationId xmlns="" xmlns:a16="http://schemas.microsoft.com/office/drawing/2014/main" id="{902DB04E-9323-4FBA-8FAD-341AC161E365}"/>
+                <a16:creationId xmlns:a16="http://schemas.microsoft.com/office/drawing/2014/main" xmlns="" id="{902DB04E-9323-4FBA-8FAD-341AC161E365}"/>
               </a:ext>
             </a:extLst>
           </p:cNvPr>
@@ -3232,7 +3316,7 @@
           <p:cNvPr id="7" name="Slide Number Placeholder 6">
             <a:extLst>
               <a:ext uri="{FF2B5EF4-FFF2-40B4-BE49-F238E27FC236}">
-                <a16:creationId xmlns="" xmlns:a16="http://schemas.microsoft.com/office/drawing/2014/main" id="{E103E8F8-52A1-4F4F-A900-A2D0B4549B5D}"/>
+                <a16:creationId xmlns:a16="http://schemas.microsoft.com/office/drawing/2014/main" xmlns="" id="{E103E8F8-52A1-4F4F-A900-A2D0B4549B5D}"/>
               </a:ext>
             </a:extLst>
           </p:cNvPr>
@@ -3303,7 +3387,7 @@
           <p:cNvPr id="2" name="Title Placeholder 1">
             <a:extLst>
               <a:ext uri="{FF2B5EF4-FFF2-40B4-BE49-F238E27FC236}">
-                <a16:creationId xmlns="" xmlns:a16="http://schemas.microsoft.com/office/drawing/2014/main" id="{AC54E9FC-FD57-4AE7-8D1E-18B05725F635}"/>
+                <a16:creationId xmlns:a16="http://schemas.microsoft.com/office/drawing/2014/main" xmlns="" id="{AC54E9FC-FD57-4AE7-8D1E-18B05725F635}"/>
               </a:ext>
             </a:extLst>
           </p:cNvPr>
@@ -3341,7 +3425,7 @@
           <p:cNvPr id="3" name="Text Placeholder 2">
             <a:extLst>
               <a:ext uri="{FF2B5EF4-FFF2-40B4-BE49-F238E27FC236}">
-                <a16:creationId xmlns="" xmlns:a16="http://schemas.microsoft.com/office/drawing/2014/main" id="{418E0076-F1CE-442C-87FF-FA7BDF3C7E26}"/>
+                <a16:creationId xmlns:a16="http://schemas.microsoft.com/office/drawing/2014/main" xmlns="" id="{418E0076-F1CE-442C-87FF-FA7BDF3C7E26}"/>
               </a:ext>
             </a:extLst>
           </p:cNvPr>
@@ -3408,7 +3492,7 @@
           <p:cNvPr id="4" name="Date Placeholder 3">
             <a:extLst>
               <a:ext uri="{FF2B5EF4-FFF2-40B4-BE49-F238E27FC236}">
-                <a16:creationId xmlns="" xmlns:a16="http://schemas.microsoft.com/office/drawing/2014/main" id="{C8DCDECC-F558-44DE-BC48-0BD81127D989}"/>
+                <a16:creationId xmlns:a16="http://schemas.microsoft.com/office/drawing/2014/main" xmlns="" id="{C8DCDECC-F558-44DE-BC48-0BD81127D989}"/>
               </a:ext>
             </a:extLst>
           </p:cNvPr>
@@ -3444,7 +3528,7 @@
           <a:p>
             <a:fld id="{5CEE0303-780B-47A9-96F2-51C9DC731110}" type="datetimeFigureOut">
               <a:rPr lang="en-US" smtClean="0"/>
-              <a:t>1/11/19</a:t>
+              <a:t>1/12/19</a:t>
             </a:fld>
             <a:endParaRPr lang="en-US"/>
           </a:p>
@@ -3455,7 +3539,7 @@
           <p:cNvPr id="5" name="Footer Placeholder 4">
             <a:extLst>
               <a:ext uri="{FF2B5EF4-FFF2-40B4-BE49-F238E27FC236}">
-                <a16:creationId xmlns="" xmlns:a16="http://schemas.microsoft.com/office/drawing/2014/main" id="{8539DBD2-CA84-45FE-81BD-D21C424FFFD9}"/>
+                <a16:creationId xmlns:a16="http://schemas.microsoft.com/office/drawing/2014/main" xmlns="" id="{8539DBD2-CA84-45FE-81BD-D21C424FFFD9}"/>
               </a:ext>
             </a:extLst>
           </p:cNvPr>
@@ -3498,7 +3582,7 @@
           <p:cNvPr id="6" name="Slide Number Placeholder 5">
             <a:extLst>
               <a:ext uri="{FF2B5EF4-FFF2-40B4-BE49-F238E27FC236}">
-                <a16:creationId xmlns="" xmlns:a16="http://schemas.microsoft.com/office/drawing/2014/main" id="{F7B7C0F7-7B1D-4524-8F3C-66481AA841AE}"/>
+                <a16:creationId xmlns:a16="http://schemas.microsoft.com/office/drawing/2014/main" xmlns="" id="{F7B7C0F7-7B1D-4524-8F3C-66481AA841AE}"/>
               </a:ext>
             </a:extLst>
           </p:cNvPr>
@@ -3866,7 +3950,7 @@
           <p:cNvPr id="2" name="Title 1">
             <a:extLst>
               <a:ext uri="{FF2B5EF4-FFF2-40B4-BE49-F238E27FC236}">
-                <a16:creationId xmlns="" xmlns:a16="http://schemas.microsoft.com/office/drawing/2014/main" id="{D8221EA8-1739-4D97-AD15-896D8AD816C8}"/>
+                <a16:creationId xmlns:a16="http://schemas.microsoft.com/office/drawing/2014/main" xmlns="" id="{D8221EA8-1739-4D97-AD15-896D8AD816C8}"/>
               </a:ext>
             </a:extLst>
           </p:cNvPr>
@@ -3895,27 +3979,7 @@
                 <a:latin typeface="Avenir Heavy"/>
                 <a:cs typeface="Avenir Heavy"/>
               </a:rPr>
-              <a:t>Happy </a:t>
-            </a:r>
-            <a:r>
-              <a:rPr lang="en-US" b="1" dirty="0" smtClean="0">
-                <a:solidFill>
-                  <a:srgbClr val="0000FF"/>
-                </a:solidFill>
-                <a:latin typeface="Avenir Heavy"/>
-                <a:cs typeface="Avenir Heavy"/>
-              </a:rPr>
-              <a:t>Healthy </a:t>
-            </a:r>
-            <a:r>
-              <a:rPr lang="en-US" b="1" dirty="0" smtClean="0">
-                <a:solidFill>
-                  <a:srgbClr val="0000FF"/>
-                </a:solidFill>
-                <a:latin typeface="Avenir Heavy"/>
-                <a:cs typeface="Avenir Heavy"/>
-              </a:rPr>
-              <a:t>Tummies</a:t>
+              <a:t>Happy Healthy Tummies</a:t>
             </a:r>
             <a:endParaRPr lang="en-US" b="1" dirty="0">
               <a:solidFill>
@@ -3932,7 +3996,7 @@
           <p:cNvPr id="3" name="Subtitle 2">
             <a:extLst>
               <a:ext uri="{FF2B5EF4-FFF2-40B4-BE49-F238E27FC236}">
-                <a16:creationId xmlns="" xmlns:a16="http://schemas.microsoft.com/office/drawing/2014/main" id="{D44F84FE-2A06-4C20-B38B-82FFEF738181}"/>
+                <a16:creationId xmlns:a16="http://schemas.microsoft.com/office/drawing/2014/main" xmlns="" id="{D44F84FE-2A06-4C20-B38B-82FFEF738181}"/>
               </a:ext>
             </a:extLst>
           </p:cNvPr>
@@ -4482,7 +4546,7 @@
           <p:nvPr/>
         </p:nvPicPr>
         <p:blipFill>
-          <a:blip r:embed="rId2">
+          <a:blip r:embed="rId3">
             <a:extLst>
               <a:ext uri="{28A0092B-C50C-407E-A947-70E740481C1C}">
                 <a14:useLocalDpi xmlns:a14="http://schemas.microsoft.com/office/drawing/2010/main" val="0"/>
@@ -4755,8 +4819,13 @@
           <a:p>
             <a:r>
               <a:rPr lang="en-US" dirty="0" smtClean="0"/>
-              <a:t>Option to add more nutritional information in Preferences.</a:t>
-            </a:r>
+              <a:t>Option to add more nutritional information in </a:t>
+            </a:r>
+            <a:r>
+              <a:rPr lang="en-US" dirty="0" smtClean="0"/>
+              <a:t>Preferences</a:t>
+            </a:r>
+            <a:endParaRPr lang="en-US" dirty="0" smtClean="0"/>
           </a:p>
           <a:p>
             <a:r>
@@ -4865,42 +4934,14 @@
             <a:pPr lvl="1"/>
             <a:r>
               <a:rPr lang="en-US" dirty="0" smtClean="0"/>
-              <a:t>An App built for health conscience people who lead busy lives who may not have time always </a:t>
-            </a:r>
-            <a:r>
-              <a:rPr lang="en-US" dirty="0" smtClean="0"/>
-              <a:t>to </a:t>
-            </a:r>
-            <a:r>
-              <a:rPr lang="en-US" dirty="0" smtClean="0"/>
-              <a:t>make </a:t>
-            </a:r>
-            <a:r>
-              <a:rPr lang="en-US" dirty="0" smtClean="0"/>
-              <a:t>a meal on the go </a:t>
-            </a:r>
-            <a:r>
-              <a:rPr lang="en-US" dirty="0" smtClean="0"/>
-              <a:t>so they can search their food item they want to get from a </a:t>
-            </a:r>
-            <a:r>
-              <a:rPr lang="en-US" dirty="0" smtClean="0"/>
-              <a:t>restaurant near a location the user specifies plus get the nutritional information back for that food item based on the personal nutritional criteria the user has set up.</a:t>
+              <a:t>An App built for health conscience people who lead busy lives who may not have time always to make a meal on the go so they can search their food item they want to get from a restaurant near a location the user specifies plus get the nutritional information back for that food item based on the personal nutritional criteria the user has set up.</a:t>
             </a:r>
           </a:p>
           <a:p>
             <a:pPr lvl="1"/>
             <a:r>
               <a:rPr lang="en-US" dirty="0" smtClean="0"/>
-              <a:t>This app is for working </a:t>
-            </a:r>
-            <a:r>
-              <a:rPr lang="en-US" dirty="0" smtClean="0"/>
-              <a:t>adults, traveling out of town individuals, and simply health conscience </a:t>
-            </a:r>
-            <a:r>
-              <a:rPr lang="en-US" dirty="0" smtClean="0"/>
-              <a:t>individuals</a:t>
+              <a:t>This app is for working adults, traveling out of town individuals, and simply health conscience individuals</a:t>
             </a:r>
             <a:r>
               <a:rPr lang="en-US" dirty="0"/>
@@ -4910,7 +4951,6 @@
               <a:rPr lang="en-US" dirty="0" smtClean="0"/>
               <a:t>who need instant information where to go to get a meal that fits their nutritional specifications.</a:t>
             </a:r>
-            <a:endParaRPr lang="en-US" dirty="0" smtClean="0"/>
           </a:p>
           <a:p>
             <a:pPr lvl="1"/>
@@ -5769,8 +5809,13 @@
             <a:pPr lvl="1"/>
             <a:r>
               <a:rPr lang="en-US" dirty="0" smtClean="0"/>
-              <a:t>Existing user can update their nutritional information.</a:t>
-            </a:r>
+              <a:t>Existing user can update their nutritional </a:t>
+            </a:r>
+            <a:r>
+              <a:rPr lang="en-US" dirty="0" smtClean="0"/>
+              <a:t>information</a:t>
+            </a:r>
+            <a:endParaRPr lang="en-US" dirty="0" smtClean="0"/>
           </a:p>
           <a:p>
             <a:pPr lvl="1"/>
@@ -5783,8 +5828,13 @@
             <a:pPr lvl="1"/>
             <a:r>
               <a:rPr lang="en-US" dirty="0" smtClean="0"/>
-              <a:t>Error Alert if all entry fields not completed.</a:t>
-            </a:r>
+              <a:t>Error Alert if all entry fields not </a:t>
+            </a:r>
+            <a:r>
+              <a:rPr lang="en-US" dirty="0" smtClean="0"/>
+              <a:t>completed</a:t>
+            </a:r>
+            <a:endParaRPr lang="en-US" dirty="0" smtClean="0"/>
           </a:p>
           <a:p>
             <a:pPr marL="514350" indent="-514350">
@@ -6426,7 +6476,7 @@
         <p:spPr/>
         <p:txBody>
           <a:bodyPr>
-            <a:normAutofit fontScale="85000" lnSpcReduction="20000"/>
+            <a:normAutofit fontScale="85000" lnSpcReduction="10000"/>
           </a:bodyPr>
           <a:lstStyle/>
           <a:p>
@@ -6544,8 +6594,13 @@
             </a:r>
             <a:r>
               <a:rPr lang="en-US" dirty="0"/>
-              <a:t>/long to search for restaurants in the area</a:t>
-            </a:r>
+              <a:t>/long to search for restaurants in the </a:t>
+            </a:r>
+            <a:r>
+              <a:rPr lang="en-US" dirty="0" smtClean="0"/>
+              <a:t>area</a:t>
+            </a:r>
+            <a:endParaRPr lang="en-US" dirty="0"/>
           </a:p>
           <a:p>
             <a:pPr marL="742950" lvl="1" indent="-285750">
@@ -6562,8 +6617,13 @@
             </a:r>
             <a:r>
               <a:rPr lang="en-US" dirty="0"/>
-              <a:t>/long and address)</a:t>
-            </a:r>
+              <a:t>/long and address</a:t>
+            </a:r>
+            <a:r>
+              <a:rPr lang="en-US" dirty="0" smtClean="0"/>
+              <a:t>)</a:t>
+            </a:r>
+            <a:endParaRPr lang="en-US" dirty="0"/>
           </a:p>
           <a:p>
             <a:pPr marL="285750" indent="-285750">
@@ -6586,8 +6646,13 @@
             </a:pPr>
             <a:r>
               <a:rPr lang="en-US" dirty="0"/>
-              <a:t>Search for food user entered and filters by restaurant ID’s and also Users preferences preferences</a:t>
-            </a:r>
+              <a:t>Search for food user entered and filters by restaurant ID’s and also Users </a:t>
+            </a:r>
+            <a:r>
+              <a:rPr lang="en-US" dirty="0" smtClean="0"/>
+              <a:t>preferences</a:t>
+            </a:r>
+            <a:endParaRPr lang="en-US" dirty="0"/>
           </a:p>
           <a:p>
             <a:pPr marL="742950" lvl="1" indent="-285750">
@@ -6596,8 +6661,13 @@
             </a:pPr>
             <a:r>
               <a:rPr lang="en-US" dirty="0"/>
-              <a:t>Returns list of foods that match above criteria, nutritional information and restaurant name.</a:t>
-            </a:r>
+              <a:t>Returns list of foods that match above criteria, nutritional information and restaurant </a:t>
+            </a:r>
+            <a:r>
+              <a:rPr lang="en-US" dirty="0" smtClean="0"/>
+              <a:t>name</a:t>
+            </a:r>
+            <a:endParaRPr lang="en-US" dirty="0"/>
           </a:p>
           <a:p>
             <a:pPr marL="285750" indent="-285750">
@@ -6644,9 +6714,10 @@
               <a:t>restaurants </a:t>
             </a:r>
             <a:r>
-              <a:rPr lang="en-US" dirty="0"/>
-              <a:t>address.</a:t>
-            </a:r>
+              <a:rPr lang="en-US" dirty="0" smtClean="0"/>
+              <a:t>address</a:t>
+            </a:r>
+            <a:endParaRPr lang="en-US" dirty="0"/>
           </a:p>
           <a:p>
             <a:pPr marL="971550" lvl="1" indent="-514350">
@@ -7371,7 +7442,7 @@
   <a:extraClrSchemeLst/>
   <a:extLst>
     <a:ext uri="{05A4C25C-085E-4340-85A3-A5531E510DB2}">
-      <thm15:themeFamily xmlns="" xmlns:thm15="http://schemas.microsoft.com/office/thememl/2012/main" name="Office Theme" id="{62F939B6-93AF-4DB8-9C6B-D6C7DFDC589F}" vid="{4A3C46E8-61CC-4603-A589-7422A47A8E4A}"/>
+      <thm15:themeFamily xmlns:thm15="http://schemas.microsoft.com/office/thememl/2012/main" xmlns="" name="Office Theme" id="{62F939B6-93AF-4DB8-9C6B-D6C7DFDC589F}" vid="{4A3C46E8-61CC-4603-A589-7422A47A8E4A}"/>
     </a:ext>
   </a:extLst>
 </a:theme>
@@ -7666,7 +7737,7 @@
   <a:extraClrSchemeLst/>
   <a:extLst>
     <a:ext uri="{05A4C25C-085E-4340-85A3-A5531E510DB2}">
-      <thm15:themeFamily xmlns="" xmlns:thm15="http://schemas.microsoft.com/office/thememl/2012/main" name="Office Theme" id="{62F939B6-93AF-4DB8-9C6B-D6C7DFDC589F}" vid="{4A3C46E8-61CC-4603-A589-7422A47A8E4A}"/>
+      <thm15:themeFamily xmlns:thm15="http://schemas.microsoft.com/office/thememl/2012/main" xmlns="" name="Office Theme" id="{62F939B6-93AF-4DB8-9C6B-D6C7DFDC589F}" vid="{4A3C46E8-61CC-4603-A589-7422A47A8E4A}"/>
     </a:ext>
   </a:extLst>
 </a:theme>
